--- a/Presentation One.pptx
+++ b/Presentation One.pptx
@@ -12,8 +12,8 @@
     <p:sldId id="257" r:id="rId3"/>
     <p:sldId id="260" r:id="rId4"/>
     <p:sldId id="258" r:id="rId5"/>
-    <p:sldId id="263" r:id="rId6"/>
-    <p:sldId id="262" r:id="rId7"/>
+    <p:sldId id="262" r:id="rId6"/>
+    <p:sldId id="263" r:id="rId7"/>
     <p:sldId id="261" r:id="rId8"/>
   </p:sldIdLst>
   <p:sldSz cx="12192000" cy="6858000"/>
@@ -510,18 +510,7 @@
           <a:bodyPr/>
           <a:lstStyle/>
           <a:p>
-            <a:r>
-              <a:rPr lang="en-US" dirty="0"/>
-              <a:t>Gameplay similar to orcs must die (without traps), and </a:t>
-            </a:r>
-            <a:r>
-              <a:rPr lang="en-US" dirty="0" err="1"/>
-              <a:t>magica</a:t>
-            </a:r>
-            <a:r>
-              <a:rPr lang="en-US" dirty="0"/>
-              <a:t> (with less friendly fire)</a:t>
-            </a:r>
+            <a:endParaRPr lang="en-US" dirty="0"/>
           </a:p>
         </p:txBody>
       </p:sp>
@@ -3434,30 +3423,42 @@
         </p:nvSpPr>
         <p:spPr/>
         <p:txBody>
+          <a:bodyPr>
+            <a:normAutofit/>
+          </a:bodyPr>
+          <a:lstStyle/>
+          <a:p>
+            <a:r>
+              <a:rPr lang="en-US" sz="8000" dirty="0">
+                <a:solidFill>
+                  <a:schemeClr val="accent4"/>
+                </a:solidFill>
+              </a:rPr>
+              <a:t>Arenathon</a:t>
+            </a:r>
+          </a:p>
+        </p:txBody>
+      </p:sp>
+      <p:sp>
+        <p:nvSpPr>
+          <p:cNvPr id="3" name="Subtitle 2"/>
+          <p:cNvSpPr>
+            <a:spLocks noGrp="1"/>
+          </p:cNvSpPr>
+          <p:nvPr>
+            <p:ph type="subTitle" idx="1"/>
+          </p:nvPr>
+        </p:nvSpPr>
+        <p:spPr/>
+        <p:txBody>
           <a:bodyPr/>
           <a:lstStyle/>
           <a:p>
             <a:r>
               <a:rPr lang="en-US" dirty="0"/>
-              <a:t>Arenathon</a:t>
-            </a:r>
-          </a:p>
-        </p:txBody>
-      </p:sp>
-      <p:sp>
-        <p:nvSpPr>
-          <p:cNvPr id="3" name="Subtitle 2"/>
-          <p:cNvSpPr>
-            <a:spLocks noGrp="1"/>
-          </p:cNvSpPr>
-          <p:nvPr>
-            <p:ph type="subTitle" idx="1"/>
-          </p:nvPr>
-        </p:nvSpPr>
-        <p:spPr/>
-        <p:txBody>
-          <a:bodyPr/>
-          <a:lstStyle/>
+              <a:t>Team Luc &amp; Gonzalo</a:t>
+            </a:r>
+          </a:p>
           <a:p>
             <a:r>
               <a:rPr lang="en-US" dirty="0"/>
@@ -3466,12 +3467,9 @@
           </a:p>
           <a:p>
             <a:r>
-              <a:rPr lang="en-US" dirty="0"/>
-              <a:t>Team Luc &amp; Gonzalo</a:t>
-            </a:r>
-          </a:p>
-          <a:p>
-            <a:endParaRPr lang="en-US" dirty="0"/>
+              <a:rPr lang="en-US" sz="1800" dirty="0"/>
+              <a:t>first semester project</a:t>
+            </a:r>
           </a:p>
         </p:txBody>
       </p:sp>
@@ -3521,7 +3519,11 @@
           <a:lstStyle/>
           <a:p>
             <a:r>
-              <a:rPr lang="en-US" dirty="0"/>
+              <a:rPr lang="en-US" dirty="0">
+                <a:solidFill>
+                  <a:schemeClr val="accent4"/>
+                </a:solidFill>
+              </a:rPr>
               <a:t>Team Luc &amp; Gonzalo</a:t>
             </a:r>
           </a:p>
@@ -3632,6 +3634,97 @@
   <p:clrMapOvr>
     <a:masterClrMapping/>
   </p:clrMapOvr>
+  <p:timing>
+    <p:tnLst>
+      <p:par>
+        <p:cTn id="1" dur="indefinite" restart="never" nodeType="tmRoot">
+          <p:childTnLst>
+            <p:seq concurrent="1" nextAc="seek">
+              <p:cTn id="2" dur="indefinite" nodeType="mainSeq">
+                <p:childTnLst>
+                  <p:par>
+                    <p:cTn id="3" fill="hold">
+                      <p:stCondLst>
+                        <p:cond delay="indefinite"/>
+                      </p:stCondLst>
+                      <p:childTnLst>
+                        <p:par>
+                          <p:cTn id="4" fill="hold">
+                            <p:stCondLst>
+                              <p:cond delay="0"/>
+                            </p:stCondLst>
+                            <p:childTnLst>
+                              <p:par>
+                                <p:cTn id="5" presetID="10" presetClass="entr" presetSubtype="0" fill="hold" nodeType="clickEffect">
+                                  <p:stCondLst>
+                                    <p:cond delay="0"/>
+                                  </p:stCondLst>
+                                  <p:childTnLst>
+                                    <p:set>
+                                      <p:cBhvr>
+                                        <p:cTn id="6" dur="1" fill="hold">
+                                          <p:stCondLst>
+                                            <p:cond delay="0"/>
+                                          </p:stCondLst>
+                                        </p:cTn>
+                                        <p:tgtEl>
+                                          <p:spTgt spid="3">
+                                            <p:txEl>
+                                              <p:pRg st="2" end="2"/>
+                                            </p:txEl>
+                                          </p:spTgt>
+                                        </p:tgtEl>
+                                        <p:attrNameLst>
+                                          <p:attrName>style.visibility</p:attrName>
+                                        </p:attrNameLst>
+                                      </p:cBhvr>
+                                      <p:to>
+                                        <p:strVal val="visible"/>
+                                      </p:to>
+                                    </p:set>
+                                    <p:animEffect transition="in" filter="fade">
+                                      <p:cBhvr>
+                                        <p:cTn id="7" dur="500"/>
+                                        <p:tgtEl>
+                                          <p:spTgt spid="3">
+                                            <p:txEl>
+                                              <p:pRg st="2" end="2"/>
+                                            </p:txEl>
+                                          </p:spTgt>
+                                        </p:tgtEl>
+                                      </p:cBhvr>
+                                    </p:animEffect>
+                                  </p:childTnLst>
+                                </p:cTn>
+                              </p:par>
+                            </p:childTnLst>
+                          </p:cTn>
+                        </p:par>
+                      </p:childTnLst>
+                    </p:cTn>
+                  </p:par>
+                </p:childTnLst>
+              </p:cTn>
+              <p:prevCondLst>
+                <p:cond evt="onPrev" delay="0">
+                  <p:tgtEl>
+                    <p:sldTgt/>
+                  </p:tgtEl>
+                </p:cond>
+              </p:prevCondLst>
+              <p:nextCondLst>
+                <p:cond evt="onNext" delay="0">
+                  <p:tgtEl>
+                    <p:sldTgt/>
+                  </p:tgtEl>
+                </p:cond>
+              </p:nextCondLst>
+            </p:seq>
+          </p:childTnLst>
+        </p:cTn>
+      </p:par>
+    </p:tnLst>
+  </p:timing>
 </p:sld>
 </file>
 
@@ -3668,36 +3761,46 @@
           <a:lstStyle/>
           <a:p>
             <a:r>
+              <a:rPr lang="en-US" dirty="0">
+                <a:solidFill>
+                  <a:schemeClr val="accent4"/>
+                </a:solidFill>
+              </a:rPr>
+              <a:t>Sand Garden</a:t>
+            </a:r>
+          </a:p>
+        </p:txBody>
+      </p:sp>
+      <p:sp>
+        <p:nvSpPr>
+          <p:cNvPr id="3" name="Content Placeholder 2"/>
+          <p:cNvSpPr>
+            <a:spLocks noGrp="1"/>
+          </p:cNvSpPr>
+          <p:nvPr>
+            <p:ph sz="half" idx="1"/>
+          </p:nvPr>
+        </p:nvSpPr>
+        <p:spPr/>
+        <p:txBody>
+          <a:bodyPr/>
+          <a:lstStyle/>
+          <a:p>
+            <a:pPr marL="0" indent="0">
+              <a:buNone/>
+            </a:pPr>
+            <a:r>
               <a:rPr lang="en-US" dirty="0"/>
-              <a:t>Sand Garden</a:t>
-            </a:r>
-          </a:p>
-        </p:txBody>
-      </p:sp>
-      <p:sp>
-        <p:nvSpPr>
-          <p:cNvPr id="3" name="Content Placeholder 2"/>
-          <p:cNvSpPr>
-            <a:spLocks noGrp="1"/>
-          </p:cNvSpPr>
-          <p:nvPr>
-            <p:ph sz="half" idx="1"/>
-          </p:nvPr>
-        </p:nvSpPr>
-        <p:spPr/>
-        <p:txBody>
-          <a:bodyPr/>
-          <a:lstStyle/>
-          <a:p>
+              <a:t>IT-related blocks for 3 weeks . . .</a:t>
+            </a:r>
+          </a:p>
+          <a:p>
+            <a:pPr marL="0" indent="0">
+              <a:buNone/>
+            </a:pPr>
             <a:r>
               <a:rPr lang="en-US" dirty="0"/>
-              <a:t>IT-related blocks for 3 weeks</a:t>
-            </a:r>
-          </a:p>
-          <a:p>
-            <a:r>
-              <a:rPr lang="en-US" dirty="0"/>
-              <a:t>But we’re good to go now</a:t>
+              <a:t>but we’re good to go now</a:t>
             </a:r>
           </a:p>
           <a:p>
@@ -3754,6 +3857,65 @@
               <a:rPr lang="en-US" dirty="0"/>
               <a:t>(2 hour setup window!)</a:t>
             </a:r>
+          </a:p>
+        </p:txBody>
+      </p:sp>
+      <p:pic>
+        <p:nvPicPr>
+          <p:cNvPr id="5" name="Picture 4"/>
+          <p:cNvPicPr>
+            <a:picLocks noChangeAspect="1"/>
+          </p:cNvPicPr>
+          <p:nvPr/>
+        </p:nvPicPr>
+        <p:blipFill>
+          <a:blip r:embed="rId2"/>
+          <a:stretch>
+            <a:fillRect/>
+          </a:stretch>
+        </p:blipFill>
+        <p:spPr>
+          <a:xfrm>
+            <a:off x="7809722" y="2355886"/>
+            <a:ext cx="3544078" cy="3544078"/>
+          </a:xfrm>
+          <a:prstGeom prst="rect">
+            <a:avLst/>
+          </a:prstGeom>
+        </p:spPr>
+      </p:pic>
+      <p:sp>
+        <p:nvSpPr>
+          <p:cNvPr id="6" name="TextBox 5"/>
+          <p:cNvSpPr txBox="1"/>
+          <p:nvPr/>
+        </p:nvSpPr>
+        <p:spPr>
+          <a:xfrm>
+            <a:off x="7809722" y="5899964"/>
+            <a:ext cx="3544078" cy="276999"/>
+          </a:xfrm>
+          <a:prstGeom prst="rect">
+            <a:avLst/>
+          </a:prstGeom>
+          <a:noFill/>
+        </p:spPr>
+        <p:txBody>
+          <a:bodyPr wrap="square" rtlCol="0">
+            <a:spAutoFit/>
+          </a:bodyPr>
+          <a:lstStyle/>
+          <a:p>
+            <a:pPr algn="ctr"/>
+            <a:r>
+              <a:rPr lang="en-US" sz="1200" dirty="0"/>
+              <a:t>Business cards by Dakota </a:t>
+            </a:r>
+            <a:r>
+              <a:rPr lang="en-US" sz="1200" dirty="0" err="1"/>
+              <a:t>Galayde</a:t>
+            </a:r>
+            <a:endParaRPr lang="en-US" sz="1200" dirty="0"/>
           </a:p>
         </p:txBody>
       </p:sp>
@@ -3767,6 +3929,373 @@
   <p:clrMapOvr>
     <a:masterClrMapping/>
   </p:clrMapOvr>
+  <p:timing>
+    <p:tnLst>
+      <p:par>
+        <p:cTn id="1" dur="indefinite" restart="never" nodeType="tmRoot">
+          <p:childTnLst>
+            <p:seq concurrent="1" nextAc="seek">
+              <p:cTn id="2" dur="indefinite" nodeType="mainSeq">
+                <p:childTnLst>
+                  <p:par>
+                    <p:cTn id="3" fill="hold">
+                      <p:stCondLst>
+                        <p:cond delay="indefinite"/>
+                      </p:stCondLst>
+                      <p:childTnLst>
+                        <p:par>
+                          <p:cTn id="4" fill="hold">
+                            <p:stCondLst>
+                              <p:cond delay="0"/>
+                            </p:stCondLst>
+                            <p:childTnLst>
+                              <p:par>
+                                <p:cTn id="5" presetID="10" presetClass="entr" presetSubtype="0" fill="hold" nodeType="clickEffect">
+                                  <p:stCondLst>
+                                    <p:cond delay="0"/>
+                                  </p:stCondLst>
+                                  <p:childTnLst>
+                                    <p:set>
+                                      <p:cBhvr>
+                                        <p:cTn id="6" dur="1" fill="hold">
+                                          <p:stCondLst>
+                                            <p:cond delay="0"/>
+                                          </p:stCondLst>
+                                        </p:cTn>
+                                        <p:tgtEl>
+                                          <p:spTgt spid="3">
+                                            <p:txEl>
+                                              <p:pRg st="1" end="1"/>
+                                            </p:txEl>
+                                          </p:spTgt>
+                                        </p:tgtEl>
+                                        <p:attrNameLst>
+                                          <p:attrName>style.visibility</p:attrName>
+                                        </p:attrNameLst>
+                                      </p:cBhvr>
+                                      <p:to>
+                                        <p:strVal val="visible"/>
+                                      </p:to>
+                                    </p:set>
+                                    <p:animEffect transition="in" filter="fade">
+                                      <p:cBhvr>
+                                        <p:cTn id="7" dur="500"/>
+                                        <p:tgtEl>
+                                          <p:spTgt spid="3">
+                                            <p:txEl>
+                                              <p:pRg st="1" end="1"/>
+                                            </p:txEl>
+                                          </p:spTgt>
+                                        </p:tgtEl>
+                                      </p:cBhvr>
+                                    </p:animEffect>
+                                  </p:childTnLst>
+                                </p:cTn>
+                              </p:par>
+                            </p:childTnLst>
+                          </p:cTn>
+                        </p:par>
+                      </p:childTnLst>
+                    </p:cTn>
+                  </p:par>
+                  <p:par>
+                    <p:cTn id="8" fill="hold">
+                      <p:stCondLst>
+                        <p:cond delay="indefinite"/>
+                      </p:stCondLst>
+                      <p:childTnLst>
+                        <p:par>
+                          <p:cTn id="9" fill="hold">
+                            <p:stCondLst>
+                              <p:cond delay="0"/>
+                            </p:stCondLst>
+                            <p:childTnLst>
+                              <p:par>
+                                <p:cTn id="10" presetID="10" presetClass="entr" presetSubtype="0" fill="hold" nodeType="clickEffect">
+                                  <p:stCondLst>
+                                    <p:cond delay="0"/>
+                                  </p:stCondLst>
+                                  <p:childTnLst>
+                                    <p:set>
+                                      <p:cBhvr>
+                                        <p:cTn id="11" dur="1" fill="hold">
+                                          <p:stCondLst>
+                                            <p:cond delay="0"/>
+                                          </p:stCondLst>
+                                        </p:cTn>
+                                        <p:tgtEl>
+                                          <p:spTgt spid="3">
+                                            <p:txEl>
+                                              <p:pRg st="2" end="2"/>
+                                            </p:txEl>
+                                          </p:spTgt>
+                                        </p:tgtEl>
+                                        <p:attrNameLst>
+                                          <p:attrName>style.visibility</p:attrName>
+                                        </p:attrNameLst>
+                                      </p:cBhvr>
+                                      <p:to>
+                                        <p:strVal val="visible"/>
+                                      </p:to>
+                                    </p:set>
+                                    <p:animEffect transition="in" filter="fade">
+                                      <p:cBhvr>
+                                        <p:cTn id="12" dur="500"/>
+                                        <p:tgtEl>
+                                          <p:spTgt spid="3">
+                                            <p:txEl>
+                                              <p:pRg st="2" end="2"/>
+                                            </p:txEl>
+                                          </p:spTgt>
+                                        </p:tgtEl>
+                                      </p:cBhvr>
+                                    </p:animEffect>
+                                  </p:childTnLst>
+                                </p:cTn>
+                              </p:par>
+                              <p:par>
+                                <p:cTn id="13" presetID="10" presetClass="entr" presetSubtype="0" fill="hold" nodeType="withEffect">
+                                  <p:stCondLst>
+                                    <p:cond delay="0"/>
+                                  </p:stCondLst>
+                                  <p:childTnLst>
+                                    <p:set>
+                                      <p:cBhvr>
+                                        <p:cTn id="14" dur="1" fill="hold">
+                                          <p:stCondLst>
+                                            <p:cond delay="0"/>
+                                          </p:stCondLst>
+                                        </p:cTn>
+                                        <p:tgtEl>
+                                          <p:spTgt spid="3">
+                                            <p:txEl>
+                                              <p:pRg st="3" end="3"/>
+                                            </p:txEl>
+                                          </p:spTgt>
+                                        </p:tgtEl>
+                                        <p:attrNameLst>
+                                          <p:attrName>style.visibility</p:attrName>
+                                        </p:attrNameLst>
+                                      </p:cBhvr>
+                                      <p:to>
+                                        <p:strVal val="visible"/>
+                                      </p:to>
+                                    </p:set>
+                                    <p:animEffect transition="in" filter="fade">
+                                      <p:cBhvr>
+                                        <p:cTn id="15" dur="500"/>
+                                        <p:tgtEl>
+                                          <p:spTgt spid="3">
+                                            <p:txEl>
+                                              <p:pRg st="3" end="3"/>
+                                            </p:txEl>
+                                          </p:spTgt>
+                                        </p:tgtEl>
+                                      </p:cBhvr>
+                                    </p:animEffect>
+                                  </p:childTnLst>
+                                </p:cTn>
+                              </p:par>
+                              <p:par>
+                                <p:cTn id="16" presetID="10" presetClass="entr" presetSubtype="0" fill="hold" nodeType="withEffect">
+                                  <p:stCondLst>
+                                    <p:cond delay="0"/>
+                                  </p:stCondLst>
+                                  <p:childTnLst>
+                                    <p:set>
+                                      <p:cBhvr>
+                                        <p:cTn id="17" dur="1" fill="hold">
+                                          <p:stCondLst>
+                                            <p:cond delay="0"/>
+                                          </p:stCondLst>
+                                        </p:cTn>
+                                        <p:tgtEl>
+                                          <p:spTgt spid="3">
+                                            <p:txEl>
+                                              <p:pRg st="4" end="4"/>
+                                            </p:txEl>
+                                          </p:spTgt>
+                                        </p:tgtEl>
+                                        <p:attrNameLst>
+                                          <p:attrName>style.visibility</p:attrName>
+                                        </p:attrNameLst>
+                                      </p:cBhvr>
+                                      <p:to>
+                                        <p:strVal val="visible"/>
+                                      </p:to>
+                                    </p:set>
+                                    <p:animEffect transition="in" filter="fade">
+                                      <p:cBhvr>
+                                        <p:cTn id="18" dur="500"/>
+                                        <p:tgtEl>
+                                          <p:spTgt spid="3">
+                                            <p:txEl>
+                                              <p:pRg st="4" end="4"/>
+                                            </p:txEl>
+                                          </p:spTgt>
+                                        </p:tgtEl>
+                                      </p:cBhvr>
+                                    </p:animEffect>
+                                  </p:childTnLst>
+                                </p:cTn>
+                              </p:par>
+                              <p:par>
+                                <p:cTn id="19" presetID="10" presetClass="entr" presetSubtype="0" fill="hold" nodeType="withEffect">
+                                  <p:stCondLst>
+                                    <p:cond delay="0"/>
+                                  </p:stCondLst>
+                                  <p:childTnLst>
+                                    <p:set>
+                                      <p:cBhvr>
+                                        <p:cTn id="20" dur="1" fill="hold">
+                                          <p:stCondLst>
+                                            <p:cond delay="0"/>
+                                          </p:stCondLst>
+                                        </p:cTn>
+                                        <p:tgtEl>
+                                          <p:spTgt spid="3">
+                                            <p:txEl>
+                                              <p:pRg st="5" end="5"/>
+                                            </p:txEl>
+                                          </p:spTgt>
+                                        </p:tgtEl>
+                                        <p:attrNameLst>
+                                          <p:attrName>style.visibility</p:attrName>
+                                        </p:attrNameLst>
+                                      </p:cBhvr>
+                                      <p:to>
+                                        <p:strVal val="visible"/>
+                                      </p:to>
+                                    </p:set>
+                                    <p:animEffect transition="in" filter="fade">
+                                      <p:cBhvr>
+                                        <p:cTn id="21" dur="500"/>
+                                        <p:tgtEl>
+                                          <p:spTgt spid="3">
+                                            <p:txEl>
+                                              <p:pRg st="5" end="5"/>
+                                            </p:txEl>
+                                          </p:spTgt>
+                                        </p:tgtEl>
+                                      </p:cBhvr>
+                                    </p:animEffect>
+                                  </p:childTnLst>
+                                </p:cTn>
+                              </p:par>
+                              <p:par>
+                                <p:cTn id="22" presetID="10" presetClass="entr" presetSubtype="0" fill="hold" nodeType="withEffect">
+                                  <p:stCondLst>
+                                    <p:cond delay="0"/>
+                                  </p:stCondLst>
+                                  <p:childTnLst>
+                                    <p:set>
+                                      <p:cBhvr>
+                                        <p:cTn id="23" dur="1" fill="hold">
+                                          <p:stCondLst>
+                                            <p:cond delay="0"/>
+                                          </p:stCondLst>
+                                        </p:cTn>
+                                        <p:tgtEl>
+                                          <p:spTgt spid="3">
+                                            <p:txEl>
+                                              <p:pRg st="6" end="6"/>
+                                            </p:txEl>
+                                          </p:spTgt>
+                                        </p:tgtEl>
+                                        <p:attrNameLst>
+                                          <p:attrName>style.visibility</p:attrName>
+                                        </p:attrNameLst>
+                                      </p:cBhvr>
+                                      <p:to>
+                                        <p:strVal val="visible"/>
+                                      </p:to>
+                                    </p:set>
+                                    <p:animEffect transition="in" filter="fade">
+                                      <p:cBhvr>
+                                        <p:cTn id="24" dur="500"/>
+                                        <p:tgtEl>
+                                          <p:spTgt spid="3">
+                                            <p:txEl>
+                                              <p:pRg st="6" end="6"/>
+                                            </p:txEl>
+                                          </p:spTgt>
+                                        </p:tgtEl>
+                                      </p:cBhvr>
+                                    </p:animEffect>
+                                  </p:childTnLst>
+                                </p:cTn>
+                              </p:par>
+                              <p:par>
+                                <p:cTn id="25" presetID="10" presetClass="entr" presetSubtype="0" fill="hold" nodeType="withEffect">
+                                  <p:stCondLst>
+                                    <p:cond delay="0"/>
+                                  </p:stCondLst>
+                                  <p:childTnLst>
+                                    <p:set>
+                                      <p:cBhvr>
+                                        <p:cTn id="26" dur="1" fill="hold">
+                                          <p:stCondLst>
+                                            <p:cond delay="0"/>
+                                          </p:stCondLst>
+                                        </p:cTn>
+                                        <p:tgtEl>
+                                          <p:spTgt spid="3">
+                                            <p:txEl>
+                                              <p:pRg st="7" end="7"/>
+                                            </p:txEl>
+                                          </p:spTgt>
+                                        </p:tgtEl>
+                                        <p:attrNameLst>
+                                          <p:attrName>style.visibility</p:attrName>
+                                        </p:attrNameLst>
+                                      </p:cBhvr>
+                                      <p:to>
+                                        <p:strVal val="visible"/>
+                                      </p:to>
+                                    </p:set>
+                                    <p:animEffect transition="in" filter="fade">
+                                      <p:cBhvr>
+                                        <p:cTn id="27" dur="500"/>
+                                        <p:tgtEl>
+                                          <p:spTgt spid="3">
+                                            <p:txEl>
+                                              <p:pRg st="7" end="7"/>
+                                            </p:txEl>
+                                          </p:spTgt>
+                                        </p:tgtEl>
+                                      </p:cBhvr>
+                                    </p:animEffect>
+                                  </p:childTnLst>
+                                </p:cTn>
+                              </p:par>
+                            </p:childTnLst>
+                          </p:cTn>
+                        </p:par>
+                      </p:childTnLst>
+                    </p:cTn>
+                  </p:par>
+                </p:childTnLst>
+              </p:cTn>
+              <p:prevCondLst>
+                <p:cond evt="onPrev" delay="0">
+                  <p:tgtEl>
+                    <p:sldTgt/>
+                  </p:tgtEl>
+                </p:cond>
+              </p:prevCondLst>
+              <p:nextCondLst>
+                <p:cond evt="onNext" delay="0">
+                  <p:tgtEl>
+                    <p:sldTgt/>
+                  </p:tgtEl>
+                </p:cond>
+              </p:nextCondLst>
+            </p:seq>
+          </p:childTnLst>
+        </p:cTn>
+      </p:par>
+    </p:tnLst>
+  </p:timing>
 </p:sld>
 </file>
 
@@ -3803,33 +4332,42 @@
           <a:lstStyle/>
           <a:p>
             <a:r>
+              <a:rPr lang="en-US" dirty="0">
+                <a:solidFill>
+                  <a:schemeClr val="accent4"/>
+                </a:solidFill>
+              </a:rPr>
+              <a:t>Arenathon Overview</a:t>
+            </a:r>
+          </a:p>
+        </p:txBody>
+      </p:sp>
+      <p:sp>
+        <p:nvSpPr>
+          <p:cNvPr id="3" name="Content Placeholder 2"/>
+          <p:cNvSpPr>
+            <a:spLocks noGrp="1"/>
+          </p:cNvSpPr>
+          <p:nvPr>
+            <p:ph idx="1"/>
+          </p:nvPr>
+        </p:nvSpPr>
+        <p:spPr>
+          <a:xfrm>
+            <a:off x="838200" y="1825625"/>
+            <a:ext cx="9313506" cy="4351338"/>
+          </a:xfrm>
+        </p:spPr>
+        <p:txBody>
+          <a:bodyPr/>
+          <a:lstStyle/>
+          <a:p>
+            <a:pPr marL="0" indent="0">
+              <a:buNone/>
+            </a:pPr>
+            <a:r>
               <a:rPr lang="en-US" dirty="0"/>
-              <a:t>Arenathon Overview</a:t>
-            </a:r>
-          </a:p>
-        </p:txBody>
-      </p:sp>
-      <p:sp>
-        <p:nvSpPr>
-          <p:cNvPr id="3" name="Content Placeholder 2"/>
-          <p:cNvSpPr>
-            <a:spLocks noGrp="1"/>
-          </p:cNvSpPr>
-          <p:nvPr>
-            <p:ph idx="1"/>
-          </p:nvPr>
-        </p:nvSpPr>
-        <p:spPr/>
-        <p:txBody>
-          <a:bodyPr/>
-          <a:lstStyle/>
-          <a:p>
-            <a:pPr marL="0" indent="0">
-              <a:buNone/>
-            </a:pPr>
-            <a:r>
-              <a:rPr lang="en-US" dirty="0"/>
-              <a:t>Simple 1-2 player arcade action brawler</a:t>
+              <a:t>Simple 1-2 player arcade action brawler </a:t>
             </a:r>
           </a:p>
           <a:p>
@@ -3844,7 +4382,7 @@
             </a:pPr>
             <a:r>
               <a:rPr lang="en-US" dirty="0"/>
-              <a:t>First Semester Project</a:t>
+              <a:t>First Semester Project in Unity</a:t>
             </a:r>
           </a:p>
           <a:p>
@@ -3885,6 +4423,30 @@
           </a:p>
         </p:txBody>
       </p:sp>
+      <p:pic>
+        <p:nvPicPr>
+          <p:cNvPr id="5" name="Picture 4"/>
+          <p:cNvPicPr>
+            <a:picLocks noChangeAspect="1"/>
+          </p:cNvPicPr>
+          <p:nvPr/>
+        </p:nvPicPr>
+        <p:blipFill>
+          <a:blip r:embed="rId2"/>
+          <a:stretch>
+            <a:fillRect/>
+          </a:stretch>
+        </p:blipFill>
+        <p:spPr>
+          <a:xfrm>
+            <a:off x="7353300" y="365125"/>
+            <a:ext cx="4000500" cy="3171825"/>
+          </a:xfrm>
+          <a:prstGeom prst="rect">
+            <a:avLst/>
+          </a:prstGeom>
+        </p:spPr>
+      </p:pic>
     </p:spTree>
     <p:extLst>
       <p:ext uri="{BB962C8B-B14F-4D97-AF65-F5344CB8AC3E}">
@@ -3895,6 +4457,244 @@
   <p:clrMapOvr>
     <a:masterClrMapping/>
   </p:clrMapOvr>
+  <p:timing>
+    <p:tnLst>
+      <p:par>
+        <p:cTn id="1" dur="indefinite" restart="never" nodeType="tmRoot">
+          <p:childTnLst>
+            <p:seq concurrent="1" nextAc="seek">
+              <p:cTn id="2" dur="indefinite" nodeType="mainSeq">
+                <p:childTnLst>
+                  <p:par>
+                    <p:cTn id="3" fill="hold">
+                      <p:stCondLst>
+                        <p:cond delay="indefinite"/>
+                      </p:stCondLst>
+                      <p:childTnLst>
+                        <p:par>
+                          <p:cTn id="4" fill="hold">
+                            <p:stCondLst>
+                              <p:cond delay="0"/>
+                            </p:stCondLst>
+                            <p:childTnLst>
+                              <p:par>
+                                <p:cTn id="5" presetID="10" presetClass="entr" presetSubtype="0" fill="hold" nodeType="clickEffect">
+                                  <p:stCondLst>
+                                    <p:cond delay="0"/>
+                                  </p:stCondLst>
+                                  <p:childTnLst>
+                                    <p:set>
+                                      <p:cBhvr>
+                                        <p:cTn id="6" dur="1" fill="hold">
+                                          <p:stCondLst>
+                                            <p:cond delay="0"/>
+                                          </p:stCondLst>
+                                        </p:cTn>
+                                        <p:tgtEl>
+                                          <p:spTgt spid="3">
+                                            <p:txEl>
+                                              <p:pRg st="2" end="2"/>
+                                            </p:txEl>
+                                          </p:spTgt>
+                                        </p:tgtEl>
+                                        <p:attrNameLst>
+                                          <p:attrName>style.visibility</p:attrName>
+                                        </p:attrNameLst>
+                                      </p:cBhvr>
+                                      <p:to>
+                                        <p:strVal val="visible"/>
+                                      </p:to>
+                                    </p:set>
+                                    <p:animEffect transition="in" filter="fade">
+                                      <p:cBhvr>
+                                        <p:cTn id="7" dur="500"/>
+                                        <p:tgtEl>
+                                          <p:spTgt spid="3">
+                                            <p:txEl>
+                                              <p:pRg st="2" end="2"/>
+                                            </p:txEl>
+                                          </p:spTgt>
+                                        </p:tgtEl>
+                                      </p:cBhvr>
+                                    </p:animEffect>
+                                  </p:childTnLst>
+                                </p:cTn>
+                              </p:par>
+                            </p:childTnLst>
+                          </p:cTn>
+                        </p:par>
+                      </p:childTnLst>
+                    </p:cTn>
+                  </p:par>
+                  <p:par>
+                    <p:cTn id="8" fill="hold">
+                      <p:stCondLst>
+                        <p:cond delay="indefinite"/>
+                      </p:stCondLst>
+                      <p:childTnLst>
+                        <p:par>
+                          <p:cTn id="9" fill="hold">
+                            <p:stCondLst>
+                              <p:cond delay="0"/>
+                            </p:stCondLst>
+                            <p:childTnLst>
+                              <p:par>
+                                <p:cTn id="10" presetID="10" presetClass="entr" presetSubtype="0" fill="hold" nodeType="clickEffect">
+                                  <p:stCondLst>
+                                    <p:cond delay="0"/>
+                                  </p:stCondLst>
+                                  <p:childTnLst>
+                                    <p:set>
+                                      <p:cBhvr>
+                                        <p:cTn id="11" dur="1" fill="hold">
+                                          <p:stCondLst>
+                                            <p:cond delay="0"/>
+                                          </p:stCondLst>
+                                        </p:cTn>
+                                        <p:tgtEl>
+                                          <p:spTgt spid="3">
+                                            <p:txEl>
+                                              <p:pRg st="3" end="3"/>
+                                            </p:txEl>
+                                          </p:spTgt>
+                                        </p:tgtEl>
+                                        <p:attrNameLst>
+                                          <p:attrName>style.visibility</p:attrName>
+                                        </p:attrNameLst>
+                                      </p:cBhvr>
+                                      <p:to>
+                                        <p:strVal val="visible"/>
+                                      </p:to>
+                                    </p:set>
+                                    <p:animEffect transition="in" filter="fade">
+                                      <p:cBhvr>
+                                        <p:cTn id="12" dur="500"/>
+                                        <p:tgtEl>
+                                          <p:spTgt spid="3">
+                                            <p:txEl>
+                                              <p:pRg st="3" end="3"/>
+                                            </p:txEl>
+                                          </p:spTgt>
+                                        </p:tgtEl>
+                                      </p:cBhvr>
+                                    </p:animEffect>
+                                  </p:childTnLst>
+                                </p:cTn>
+                              </p:par>
+                              <p:par>
+                                <p:cTn id="13" presetID="10" presetClass="entr" presetSubtype="0" fill="hold" nodeType="withEffect">
+                                  <p:stCondLst>
+                                    <p:cond delay="0"/>
+                                  </p:stCondLst>
+                                  <p:childTnLst>
+                                    <p:set>
+                                      <p:cBhvr>
+                                        <p:cTn id="14" dur="1" fill="hold">
+                                          <p:stCondLst>
+                                            <p:cond delay="0"/>
+                                          </p:stCondLst>
+                                        </p:cTn>
+                                        <p:tgtEl>
+                                          <p:spTgt spid="3">
+                                            <p:txEl>
+                                              <p:pRg st="4" end="4"/>
+                                            </p:txEl>
+                                          </p:spTgt>
+                                        </p:tgtEl>
+                                        <p:attrNameLst>
+                                          <p:attrName>style.visibility</p:attrName>
+                                        </p:attrNameLst>
+                                      </p:cBhvr>
+                                      <p:to>
+                                        <p:strVal val="visible"/>
+                                      </p:to>
+                                    </p:set>
+                                    <p:animEffect transition="in" filter="fade">
+                                      <p:cBhvr>
+                                        <p:cTn id="15" dur="500"/>
+                                        <p:tgtEl>
+                                          <p:spTgt spid="3">
+                                            <p:txEl>
+                                              <p:pRg st="4" end="4"/>
+                                            </p:txEl>
+                                          </p:spTgt>
+                                        </p:tgtEl>
+                                      </p:cBhvr>
+                                    </p:animEffect>
+                                  </p:childTnLst>
+                                </p:cTn>
+                              </p:par>
+                              <p:par>
+                                <p:cTn id="16" presetID="10" presetClass="entr" presetSubtype="0" fill="hold" nodeType="withEffect">
+                                  <p:stCondLst>
+                                    <p:cond delay="0"/>
+                                  </p:stCondLst>
+                                  <p:childTnLst>
+                                    <p:set>
+                                      <p:cBhvr>
+                                        <p:cTn id="17" dur="1" fill="hold">
+                                          <p:stCondLst>
+                                            <p:cond delay="0"/>
+                                          </p:stCondLst>
+                                        </p:cTn>
+                                        <p:tgtEl>
+                                          <p:spTgt spid="3">
+                                            <p:txEl>
+                                              <p:pRg st="5" end="5"/>
+                                            </p:txEl>
+                                          </p:spTgt>
+                                        </p:tgtEl>
+                                        <p:attrNameLst>
+                                          <p:attrName>style.visibility</p:attrName>
+                                        </p:attrNameLst>
+                                      </p:cBhvr>
+                                      <p:to>
+                                        <p:strVal val="visible"/>
+                                      </p:to>
+                                    </p:set>
+                                    <p:animEffect transition="in" filter="fade">
+                                      <p:cBhvr>
+                                        <p:cTn id="18" dur="500"/>
+                                        <p:tgtEl>
+                                          <p:spTgt spid="3">
+                                            <p:txEl>
+                                              <p:pRg st="5" end="5"/>
+                                            </p:txEl>
+                                          </p:spTgt>
+                                        </p:tgtEl>
+                                      </p:cBhvr>
+                                    </p:animEffect>
+                                  </p:childTnLst>
+                                </p:cTn>
+                              </p:par>
+                            </p:childTnLst>
+                          </p:cTn>
+                        </p:par>
+                      </p:childTnLst>
+                    </p:cTn>
+                  </p:par>
+                </p:childTnLst>
+              </p:cTn>
+              <p:prevCondLst>
+                <p:cond evt="onPrev" delay="0">
+                  <p:tgtEl>
+                    <p:sldTgt/>
+                  </p:tgtEl>
+                </p:cond>
+              </p:prevCondLst>
+              <p:nextCondLst>
+                <p:cond evt="onNext" delay="0">
+                  <p:tgtEl>
+                    <p:sldTgt/>
+                  </p:tgtEl>
+                </p:cond>
+              </p:nextCondLst>
+            </p:seq>
+          </p:childTnLst>
+        </p:cTn>
+      </p:par>
+    </p:tnLst>
+  </p:timing>
 </p:sld>
 </file>
 
@@ -3930,37 +4730,10 @@
           <a:bodyPr/>
           <a:lstStyle/>
           <a:p>
+            <a:pPr algn="ctr"/>
             <a:r>
               <a:rPr lang="en-US" dirty="0"/>
-              <a:t>Current Features</a:t>
-            </a:r>
-          </a:p>
-        </p:txBody>
-      </p:sp>
-      <p:sp>
-        <p:nvSpPr>
-          <p:cNvPr id="3" name="Content Placeholder 2"/>
-          <p:cNvSpPr>
-            <a:spLocks noGrp="1"/>
-          </p:cNvSpPr>
-          <p:nvPr>
-            <p:ph idx="1"/>
-          </p:nvPr>
-        </p:nvSpPr>
-        <p:spPr/>
-        <p:txBody>
-          <a:bodyPr/>
-          <a:lstStyle/>
-          <a:p>
-            <a:r>
-              <a:rPr lang="en-US" dirty="0"/>
-              <a:t>Gameplay loop</a:t>
-            </a:r>
-          </a:p>
-          <a:p>
-            <a:r>
-              <a:rPr lang="en-US" dirty="0"/>
-              <a:t>Versatile ability system</a:t>
+              <a:t>Demo</a:t>
             </a:r>
           </a:p>
         </p:txBody>
@@ -3968,7 +4741,7 @@
     </p:spTree>
     <p:extLst>
       <p:ext uri="{BB962C8B-B14F-4D97-AF65-F5344CB8AC3E}">
-        <p14:creationId xmlns:p14="http://schemas.microsoft.com/office/powerpoint/2010/main" val="2680238738"/>
+        <p14:creationId xmlns:p14="http://schemas.microsoft.com/office/powerpoint/2010/main" val="557904397"/>
       </p:ext>
     </p:extLst>
   </p:cSld>
@@ -4010,18 +4783,94 @@
           <a:bodyPr/>
           <a:lstStyle/>
           <a:p>
-            <a:pPr algn="ctr"/>
+            <a:r>
+              <a:rPr lang="en-US" dirty="0">
+                <a:solidFill>
+                  <a:schemeClr val="accent4"/>
+                </a:solidFill>
+              </a:rPr>
+              <a:t>Features</a:t>
+            </a:r>
+          </a:p>
+        </p:txBody>
+      </p:sp>
+      <p:sp>
+        <p:nvSpPr>
+          <p:cNvPr id="3" name="Content Placeholder 2"/>
+          <p:cNvSpPr>
+            <a:spLocks noGrp="1"/>
+          </p:cNvSpPr>
+          <p:nvPr>
+            <p:ph idx="1"/>
+          </p:nvPr>
+        </p:nvSpPr>
+        <p:spPr/>
+        <p:txBody>
+          <a:bodyPr/>
+          <a:lstStyle/>
+          <a:p>
+            <a:pPr marL="0" indent="0">
+              <a:buNone/>
+            </a:pPr>
             <a:r>
               <a:rPr lang="en-US" dirty="0"/>
-              <a:t>Demo</a:t>
-            </a:r>
+              <a:t>Combat framework</a:t>
+            </a:r>
+          </a:p>
+          <a:p>
+            <a:pPr lvl="1"/>
+            <a:r>
+              <a:rPr lang="en-US" dirty="0"/>
+              <a:t>Leverages Unity’s prefabs to modularize and reuse code as much as possible</a:t>
+            </a:r>
+          </a:p>
+          <a:p>
+            <a:pPr lvl="1"/>
+            <a:r>
+              <a:rPr lang="en-US" dirty="0"/>
+              <a:t>Abilities use custom messaging system</a:t>
+            </a:r>
+          </a:p>
+          <a:p>
+            <a:pPr lvl="1"/>
+            <a:r>
+              <a:rPr lang="en-US" dirty="0"/>
+              <a:t>Allows us to make and reuse abilities with minimal code editing</a:t>
+            </a:r>
+          </a:p>
+          <a:p>
+            <a:pPr marL="0" indent="0">
+              <a:buNone/>
+            </a:pPr>
+            <a:r>
+              <a:rPr lang="en-US" dirty="0"/>
+              <a:t>Versatile AI system</a:t>
+            </a:r>
+          </a:p>
+          <a:p>
+            <a:pPr lvl="1"/>
+            <a:r>
+              <a:rPr lang="en-US" dirty="0"/>
+              <a:t>Shared interface for AI and players for efficient code reuse</a:t>
+            </a:r>
+          </a:p>
+          <a:p>
+            <a:pPr lvl="1"/>
+            <a:r>
+              <a:rPr lang="en-US" dirty="0"/>
+              <a:t>Allows for quick recombination of movement &amp; attack behaviors</a:t>
+            </a:r>
+          </a:p>
+          <a:p>
+            <a:pPr lvl="1"/>
+            <a:endParaRPr lang="en-US" dirty="0"/>
           </a:p>
         </p:txBody>
       </p:sp>
     </p:spTree>
     <p:extLst>
       <p:ext uri="{BB962C8B-B14F-4D97-AF65-F5344CB8AC3E}">
-        <p14:creationId xmlns:p14="http://schemas.microsoft.com/office/powerpoint/2010/main" val="557904397"/>
+        <p14:creationId xmlns:p14="http://schemas.microsoft.com/office/powerpoint/2010/main" val="1288028781"/>
       </p:ext>
     </p:extLst>
   </p:cSld>
@@ -4064,36 +4913,89 @@
           <a:lstStyle/>
           <a:p>
             <a:r>
+              <a:rPr lang="en-US" dirty="0">
+                <a:solidFill>
+                  <a:schemeClr val="accent4"/>
+                </a:solidFill>
+              </a:rPr>
+              <a:t>Arenathon Gameplay Goals</a:t>
+            </a:r>
+          </a:p>
+        </p:txBody>
+      </p:sp>
+      <p:sp>
+        <p:nvSpPr>
+          <p:cNvPr id="3" name="Content Placeholder 2"/>
+          <p:cNvSpPr>
+            <a:spLocks noGrp="1"/>
+          </p:cNvSpPr>
+          <p:nvPr>
+            <p:ph idx="1"/>
+          </p:nvPr>
+        </p:nvSpPr>
+        <p:spPr/>
+        <p:txBody>
+          <a:bodyPr/>
+          <a:lstStyle/>
+          <a:p>
+            <a:pPr marL="514350" indent="-514350">
+              <a:buFont typeface="+mj-lt"/>
+              <a:buAutoNum type="arabicPeriod"/>
+            </a:pPr>
+            <a:r>
               <a:rPr lang="en-US" dirty="0"/>
-              <a:t>Arenathon Gameplay Target </a:t>
-            </a:r>
-          </a:p>
-        </p:txBody>
-      </p:sp>
-      <p:sp>
-        <p:nvSpPr>
-          <p:cNvPr id="3" name="Content Placeholder 2"/>
-          <p:cNvSpPr>
-            <a:spLocks noGrp="1"/>
-          </p:cNvSpPr>
-          <p:nvPr>
-            <p:ph idx="1"/>
-          </p:nvPr>
-        </p:nvSpPr>
-        <p:spPr/>
-        <p:txBody>
-          <a:bodyPr/>
-          <a:lstStyle/>
-          <a:p>
+              <a:t>Arcade style waves of enemies</a:t>
+            </a:r>
+          </a:p>
+          <a:p>
+            <a:pPr marL="514350" indent="-514350">
+              <a:buFont typeface="+mj-lt"/>
+              <a:buAutoNum type="arabicPeriod"/>
+            </a:pPr>
             <a:r>
               <a:rPr lang="en-US" dirty="0"/>
-              <a:t>Fight waves of enemies in a single, small arena.</a:t>
-            </a:r>
-          </a:p>
-          <a:p>
+              <a:t>Game mode customization options</a:t>
+            </a:r>
+          </a:p>
+          <a:p>
+            <a:pPr lvl="1"/>
             <a:r>
               <a:rPr lang="en-US" dirty="0"/>
-              <a:t>Melee, Ranged, and Movement abilities change throughout the match.</a:t>
+              <a:t>Friendly Fire</a:t>
+            </a:r>
+          </a:p>
+          <a:p>
+            <a:pPr lvl="1"/>
+            <a:r>
+              <a:rPr lang="en-US" dirty="0"/>
+              <a:t>Ability pool</a:t>
+            </a:r>
+          </a:p>
+          <a:p>
+            <a:pPr marL="514350" indent="-514350">
+              <a:buFont typeface="+mj-lt"/>
+              <a:buAutoNum type="arabicPeriod"/>
+            </a:pPr>
+            <a:r>
+              <a:rPr lang="en-US" dirty="0"/>
+              <a:t>High score system</a:t>
+            </a:r>
+          </a:p>
+          <a:p>
+            <a:pPr lvl="1"/>
+            <a:r>
+              <a:rPr lang="en-US" dirty="0"/>
+              <a:t>Online leaderboards as a stretch goal</a:t>
+            </a:r>
+          </a:p>
+          <a:p>
+            <a:pPr marL="514350" indent="-514350">
+              <a:buFont typeface="+mj-lt"/>
+              <a:buAutoNum type="arabicPeriod"/>
+            </a:pPr>
+            <a:r>
+              <a:rPr lang="en-US" dirty="0"/>
+              <a:t>Polish and focus on gameplay</a:t>
             </a:r>
           </a:p>
           <a:p>
@@ -4111,6 +5013,348 @@
   <p:clrMapOvr>
     <a:masterClrMapping/>
   </p:clrMapOvr>
+  <p:timing>
+    <p:tnLst>
+      <p:par>
+        <p:cTn id="1" dur="indefinite" restart="never" nodeType="tmRoot">
+          <p:childTnLst>
+            <p:seq concurrent="1" nextAc="seek">
+              <p:cTn id="2" dur="indefinite" nodeType="mainSeq">
+                <p:childTnLst>
+                  <p:par>
+                    <p:cTn id="3" fill="hold">
+                      <p:stCondLst>
+                        <p:cond delay="indefinite"/>
+                      </p:stCondLst>
+                      <p:childTnLst>
+                        <p:par>
+                          <p:cTn id="4" fill="hold">
+                            <p:stCondLst>
+                              <p:cond delay="0"/>
+                            </p:stCondLst>
+                            <p:childTnLst>
+                              <p:par>
+                                <p:cTn id="5" presetID="10" presetClass="entr" presetSubtype="0" fill="hold" nodeType="clickEffect">
+                                  <p:stCondLst>
+                                    <p:cond delay="0"/>
+                                  </p:stCondLst>
+                                  <p:childTnLst>
+                                    <p:set>
+                                      <p:cBhvr>
+                                        <p:cTn id="6" dur="1" fill="hold">
+                                          <p:stCondLst>
+                                            <p:cond delay="0"/>
+                                          </p:stCondLst>
+                                        </p:cTn>
+                                        <p:tgtEl>
+                                          <p:spTgt spid="3">
+                                            <p:txEl>
+                                              <p:pRg st="1" end="1"/>
+                                            </p:txEl>
+                                          </p:spTgt>
+                                        </p:tgtEl>
+                                        <p:attrNameLst>
+                                          <p:attrName>style.visibility</p:attrName>
+                                        </p:attrNameLst>
+                                      </p:cBhvr>
+                                      <p:to>
+                                        <p:strVal val="visible"/>
+                                      </p:to>
+                                    </p:set>
+                                    <p:animEffect transition="in" filter="fade">
+                                      <p:cBhvr>
+                                        <p:cTn id="7" dur="500"/>
+                                        <p:tgtEl>
+                                          <p:spTgt spid="3">
+                                            <p:txEl>
+                                              <p:pRg st="1" end="1"/>
+                                            </p:txEl>
+                                          </p:spTgt>
+                                        </p:tgtEl>
+                                      </p:cBhvr>
+                                    </p:animEffect>
+                                  </p:childTnLst>
+                                </p:cTn>
+                              </p:par>
+                              <p:par>
+                                <p:cTn id="8" presetID="10" presetClass="entr" presetSubtype="0" fill="hold" nodeType="withEffect">
+                                  <p:stCondLst>
+                                    <p:cond delay="0"/>
+                                  </p:stCondLst>
+                                  <p:childTnLst>
+                                    <p:set>
+                                      <p:cBhvr>
+                                        <p:cTn id="9" dur="1" fill="hold">
+                                          <p:stCondLst>
+                                            <p:cond delay="0"/>
+                                          </p:stCondLst>
+                                        </p:cTn>
+                                        <p:tgtEl>
+                                          <p:spTgt spid="3">
+                                            <p:txEl>
+                                              <p:pRg st="2" end="2"/>
+                                            </p:txEl>
+                                          </p:spTgt>
+                                        </p:tgtEl>
+                                        <p:attrNameLst>
+                                          <p:attrName>style.visibility</p:attrName>
+                                        </p:attrNameLst>
+                                      </p:cBhvr>
+                                      <p:to>
+                                        <p:strVal val="visible"/>
+                                      </p:to>
+                                    </p:set>
+                                    <p:animEffect transition="in" filter="fade">
+                                      <p:cBhvr>
+                                        <p:cTn id="10" dur="500"/>
+                                        <p:tgtEl>
+                                          <p:spTgt spid="3">
+                                            <p:txEl>
+                                              <p:pRg st="2" end="2"/>
+                                            </p:txEl>
+                                          </p:spTgt>
+                                        </p:tgtEl>
+                                      </p:cBhvr>
+                                    </p:animEffect>
+                                  </p:childTnLst>
+                                </p:cTn>
+                              </p:par>
+                              <p:par>
+                                <p:cTn id="11" presetID="10" presetClass="entr" presetSubtype="0" fill="hold" nodeType="withEffect">
+                                  <p:stCondLst>
+                                    <p:cond delay="0"/>
+                                  </p:stCondLst>
+                                  <p:childTnLst>
+                                    <p:set>
+                                      <p:cBhvr>
+                                        <p:cTn id="12" dur="1" fill="hold">
+                                          <p:stCondLst>
+                                            <p:cond delay="0"/>
+                                          </p:stCondLst>
+                                        </p:cTn>
+                                        <p:tgtEl>
+                                          <p:spTgt spid="3">
+                                            <p:txEl>
+                                              <p:pRg st="3" end="3"/>
+                                            </p:txEl>
+                                          </p:spTgt>
+                                        </p:tgtEl>
+                                        <p:attrNameLst>
+                                          <p:attrName>style.visibility</p:attrName>
+                                        </p:attrNameLst>
+                                      </p:cBhvr>
+                                      <p:to>
+                                        <p:strVal val="visible"/>
+                                      </p:to>
+                                    </p:set>
+                                    <p:animEffect transition="in" filter="fade">
+                                      <p:cBhvr>
+                                        <p:cTn id="13" dur="500"/>
+                                        <p:tgtEl>
+                                          <p:spTgt spid="3">
+                                            <p:txEl>
+                                              <p:pRg st="3" end="3"/>
+                                            </p:txEl>
+                                          </p:spTgt>
+                                        </p:tgtEl>
+                                      </p:cBhvr>
+                                    </p:animEffect>
+                                  </p:childTnLst>
+                                </p:cTn>
+                              </p:par>
+                            </p:childTnLst>
+                          </p:cTn>
+                        </p:par>
+                      </p:childTnLst>
+                    </p:cTn>
+                  </p:par>
+                  <p:par>
+                    <p:cTn id="14" fill="hold">
+                      <p:stCondLst>
+                        <p:cond delay="indefinite"/>
+                      </p:stCondLst>
+                      <p:childTnLst>
+                        <p:par>
+                          <p:cTn id="15" fill="hold">
+                            <p:stCondLst>
+                              <p:cond delay="0"/>
+                            </p:stCondLst>
+                            <p:childTnLst>
+                              <p:par>
+                                <p:cTn id="16" presetID="10" presetClass="entr" presetSubtype="0" fill="hold" nodeType="clickEffect">
+                                  <p:stCondLst>
+                                    <p:cond delay="0"/>
+                                  </p:stCondLst>
+                                  <p:childTnLst>
+                                    <p:set>
+                                      <p:cBhvr>
+                                        <p:cTn id="17" dur="1" fill="hold">
+                                          <p:stCondLst>
+                                            <p:cond delay="0"/>
+                                          </p:stCondLst>
+                                        </p:cTn>
+                                        <p:tgtEl>
+                                          <p:spTgt spid="3">
+                                            <p:txEl>
+                                              <p:pRg st="4" end="4"/>
+                                            </p:txEl>
+                                          </p:spTgt>
+                                        </p:tgtEl>
+                                        <p:attrNameLst>
+                                          <p:attrName>style.visibility</p:attrName>
+                                        </p:attrNameLst>
+                                      </p:cBhvr>
+                                      <p:to>
+                                        <p:strVal val="visible"/>
+                                      </p:to>
+                                    </p:set>
+                                    <p:animEffect transition="in" filter="fade">
+                                      <p:cBhvr>
+                                        <p:cTn id="18" dur="500"/>
+                                        <p:tgtEl>
+                                          <p:spTgt spid="3">
+                                            <p:txEl>
+                                              <p:pRg st="4" end="4"/>
+                                            </p:txEl>
+                                          </p:spTgt>
+                                        </p:tgtEl>
+                                      </p:cBhvr>
+                                    </p:animEffect>
+                                  </p:childTnLst>
+                                </p:cTn>
+                              </p:par>
+                              <p:par>
+                                <p:cTn id="19" presetID="10" presetClass="entr" presetSubtype="0" fill="hold" nodeType="withEffect">
+                                  <p:stCondLst>
+                                    <p:cond delay="0"/>
+                                  </p:stCondLst>
+                                  <p:childTnLst>
+                                    <p:set>
+                                      <p:cBhvr>
+                                        <p:cTn id="20" dur="1" fill="hold">
+                                          <p:stCondLst>
+                                            <p:cond delay="0"/>
+                                          </p:stCondLst>
+                                        </p:cTn>
+                                        <p:tgtEl>
+                                          <p:spTgt spid="3">
+                                            <p:txEl>
+                                              <p:pRg st="5" end="5"/>
+                                            </p:txEl>
+                                          </p:spTgt>
+                                        </p:tgtEl>
+                                        <p:attrNameLst>
+                                          <p:attrName>style.visibility</p:attrName>
+                                        </p:attrNameLst>
+                                      </p:cBhvr>
+                                      <p:to>
+                                        <p:strVal val="visible"/>
+                                      </p:to>
+                                    </p:set>
+                                    <p:animEffect transition="in" filter="fade">
+                                      <p:cBhvr>
+                                        <p:cTn id="21" dur="500"/>
+                                        <p:tgtEl>
+                                          <p:spTgt spid="3">
+                                            <p:txEl>
+                                              <p:pRg st="5" end="5"/>
+                                            </p:txEl>
+                                          </p:spTgt>
+                                        </p:tgtEl>
+                                      </p:cBhvr>
+                                    </p:animEffect>
+                                  </p:childTnLst>
+                                </p:cTn>
+                              </p:par>
+                            </p:childTnLst>
+                          </p:cTn>
+                        </p:par>
+                      </p:childTnLst>
+                    </p:cTn>
+                  </p:par>
+                  <p:par>
+                    <p:cTn id="22" fill="hold">
+                      <p:stCondLst>
+                        <p:cond delay="indefinite"/>
+                      </p:stCondLst>
+                      <p:childTnLst>
+                        <p:par>
+                          <p:cTn id="23" fill="hold">
+                            <p:stCondLst>
+                              <p:cond delay="0"/>
+                            </p:stCondLst>
+                            <p:childTnLst>
+                              <p:par>
+                                <p:cTn id="24" presetID="10" presetClass="entr" presetSubtype="0" fill="hold" nodeType="clickEffect">
+                                  <p:stCondLst>
+                                    <p:cond delay="0"/>
+                                  </p:stCondLst>
+                                  <p:childTnLst>
+                                    <p:set>
+                                      <p:cBhvr>
+                                        <p:cTn id="25" dur="1" fill="hold">
+                                          <p:stCondLst>
+                                            <p:cond delay="0"/>
+                                          </p:stCondLst>
+                                        </p:cTn>
+                                        <p:tgtEl>
+                                          <p:spTgt spid="3">
+                                            <p:txEl>
+                                              <p:pRg st="6" end="6"/>
+                                            </p:txEl>
+                                          </p:spTgt>
+                                        </p:tgtEl>
+                                        <p:attrNameLst>
+                                          <p:attrName>style.visibility</p:attrName>
+                                        </p:attrNameLst>
+                                      </p:cBhvr>
+                                      <p:to>
+                                        <p:strVal val="visible"/>
+                                      </p:to>
+                                    </p:set>
+                                    <p:animEffect transition="in" filter="fade">
+                                      <p:cBhvr>
+                                        <p:cTn id="26" dur="500"/>
+                                        <p:tgtEl>
+                                          <p:spTgt spid="3">
+                                            <p:txEl>
+                                              <p:pRg st="6" end="6"/>
+                                            </p:txEl>
+                                          </p:spTgt>
+                                        </p:tgtEl>
+                                      </p:cBhvr>
+                                    </p:animEffect>
+                                  </p:childTnLst>
+                                </p:cTn>
+                              </p:par>
+                            </p:childTnLst>
+                          </p:cTn>
+                        </p:par>
+                      </p:childTnLst>
+                    </p:cTn>
+                  </p:par>
+                </p:childTnLst>
+              </p:cTn>
+              <p:prevCondLst>
+                <p:cond evt="onPrev" delay="0">
+                  <p:tgtEl>
+                    <p:sldTgt/>
+                  </p:tgtEl>
+                </p:cond>
+              </p:prevCondLst>
+              <p:nextCondLst>
+                <p:cond evt="onNext" delay="0">
+                  <p:tgtEl>
+                    <p:sldTgt/>
+                  </p:tgtEl>
+                </p:cond>
+              </p:nextCondLst>
+            </p:seq>
+          </p:childTnLst>
+        </p:cTn>
+      </p:par>
+    </p:tnLst>
+  </p:timing>
 </p:sld>
 </file>
 

--- a/Presentation One.pptx
+++ b/Presentation One.pptx
@@ -5,7 +5,7 @@
     <p:sldMasterId id="2147483660" r:id="rId1"/>
   </p:sldMasterIdLst>
   <p:notesMasterIdLst>
-    <p:notesMasterId r:id="rId9"/>
+    <p:notesMasterId r:id="rId10"/>
   </p:notesMasterIdLst>
   <p:sldIdLst>
     <p:sldId id="256" r:id="rId2"/>
@@ -15,6 +15,7 @@
     <p:sldId id="262" r:id="rId6"/>
     <p:sldId id="263" r:id="rId7"/>
     <p:sldId id="261" r:id="rId8"/>
+    <p:sldId id="265" r:id="rId9"/>
   </p:sldIdLst>
   <p:sldSz cx="12192000" cy="6858000"/>
   <p:notesSz cx="6858000" cy="9144000"/>
@@ -113,6 +114,11 @@
       </a:defRPr>
     </a:lvl9pPr>
   </p:defaultTextStyle>
+  <p:extLst>
+    <p:ext uri="{EFAFB233-063F-42B5-8137-9DF3F51BA10A}">
+      <p15:sldGuideLst xmlns:p15="http://schemas.microsoft.com/office/powerpoint/2012/main"/>
+    </p:ext>
+  </p:extLst>
 </p:presentation>
 </file>
 
@@ -198,7 +204,7 @@
           <a:p>
             <a:fld id="{1110742C-4B92-4593-B805-C3B13DC01DB2}" type="datetimeFigureOut">
               <a:rPr lang="en-US" smtClean="0"/>
-              <a:t>2/8/2017</a:t>
+              <a:t>2/9/2017</a:t>
             </a:fld>
             <a:endParaRPr lang="en-US"/>
           </a:p>
@@ -293,7 +299,6 @@
               <a:rPr lang="en-US"/>
               <a:t>Fifth level</a:t>
             </a:r>
-            <a:endParaRPr lang="en-US"/>
           </a:p>
         </p:txBody>
       </p:sp>
@@ -681,7 +686,7 @@
           <a:p>
             <a:fld id="{6C3E8040-2103-4F2C-865E-A5DD248ED102}" type="datetimeFigureOut">
               <a:rPr lang="en-US" smtClean="0"/>
-              <a:t>2/8/2017</a:t>
+              <a:t>2/9/2017</a:t>
             </a:fld>
             <a:endParaRPr lang="en-US"/>
           </a:p>
@@ -851,7 +856,7 @@
           <a:p>
             <a:fld id="{6C3E8040-2103-4F2C-865E-A5DD248ED102}" type="datetimeFigureOut">
               <a:rPr lang="en-US" smtClean="0"/>
-              <a:t>2/8/2017</a:t>
+              <a:t>2/9/2017</a:t>
             </a:fld>
             <a:endParaRPr lang="en-US"/>
           </a:p>
@@ -1031,7 +1036,7 @@
           <a:p>
             <a:fld id="{6C3E8040-2103-4F2C-865E-A5DD248ED102}" type="datetimeFigureOut">
               <a:rPr lang="en-US" smtClean="0"/>
-              <a:t>2/8/2017</a:t>
+              <a:t>2/9/2017</a:t>
             </a:fld>
             <a:endParaRPr lang="en-US"/>
           </a:p>
@@ -1201,7 +1206,7 @@
           <a:p>
             <a:fld id="{6C3E8040-2103-4F2C-865E-A5DD248ED102}" type="datetimeFigureOut">
               <a:rPr lang="en-US" smtClean="0"/>
-              <a:t>2/8/2017</a:t>
+              <a:t>2/9/2017</a:t>
             </a:fld>
             <a:endParaRPr lang="en-US"/>
           </a:p>
@@ -1447,7 +1452,7 @@
           <a:p>
             <a:fld id="{6C3E8040-2103-4F2C-865E-A5DD248ED102}" type="datetimeFigureOut">
               <a:rPr lang="en-US" smtClean="0"/>
-              <a:t>2/8/2017</a:t>
+              <a:t>2/9/2017</a:t>
             </a:fld>
             <a:endParaRPr lang="en-US"/>
           </a:p>
@@ -1679,7 +1684,7 @@
           <a:p>
             <a:fld id="{6C3E8040-2103-4F2C-865E-A5DD248ED102}" type="datetimeFigureOut">
               <a:rPr lang="en-US" smtClean="0"/>
-              <a:t>2/8/2017</a:t>
+              <a:t>2/9/2017</a:t>
             </a:fld>
             <a:endParaRPr lang="en-US"/>
           </a:p>
@@ -2046,7 +2051,7 @@
           <a:p>
             <a:fld id="{6C3E8040-2103-4F2C-865E-A5DD248ED102}" type="datetimeFigureOut">
               <a:rPr lang="en-US" smtClean="0"/>
-              <a:t>2/8/2017</a:t>
+              <a:t>2/9/2017</a:t>
             </a:fld>
             <a:endParaRPr lang="en-US"/>
           </a:p>
@@ -2164,7 +2169,7 @@
           <a:p>
             <a:fld id="{6C3E8040-2103-4F2C-865E-A5DD248ED102}" type="datetimeFigureOut">
               <a:rPr lang="en-US" smtClean="0"/>
-              <a:t>2/8/2017</a:t>
+              <a:t>2/9/2017</a:t>
             </a:fld>
             <a:endParaRPr lang="en-US"/>
           </a:p>
@@ -2259,7 +2264,7 @@
           <a:p>
             <a:fld id="{6C3E8040-2103-4F2C-865E-A5DD248ED102}" type="datetimeFigureOut">
               <a:rPr lang="en-US" smtClean="0"/>
-              <a:t>2/8/2017</a:t>
+              <a:t>2/9/2017</a:t>
             </a:fld>
             <a:endParaRPr lang="en-US"/>
           </a:p>
@@ -2536,7 +2541,7 @@
           <a:p>
             <a:fld id="{6C3E8040-2103-4F2C-865E-A5DD248ED102}" type="datetimeFigureOut">
               <a:rPr lang="en-US" smtClean="0"/>
-              <a:t>2/8/2017</a:t>
+              <a:t>2/9/2017</a:t>
             </a:fld>
             <a:endParaRPr lang="en-US"/>
           </a:p>
@@ -2793,7 +2798,7 @@
           <a:p>
             <a:fld id="{6C3E8040-2103-4F2C-865E-A5DD248ED102}" type="datetimeFigureOut">
               <a:rPr lang="en-US" smtClean="0"/>
-              <a:t>2/8/2017</a:t>
+              <a:t>2/9/2017</a:t>
             </a:fld>
             <a:endParaRPr lang="en-US"/>
           </a:p>
@@ -3006,7 +3011,7 @@
           <a:p>
             <a:fld id="{6C3E8040-2103-4F2C-865E-A5DD248ED102}" type="datetimeFigureOut">
               <a:rPr lang="en-US" smtClean="0"/>
-              <a:t>2/8/2017</a:t>
+              <a:t>2/9/2017</a:t>
             </a:fld>
             <a:endParaRPr lang="en-US"/>
           </a:p>
@@ -3483,6 +3488,13 @@
   <p:clrMapOvr>
     <a:masterClrMapping/>
   </p:clrMapOvr>
+  <p:timing>
+    <p:tnLst>
+      <p:par>
+        <p:cTn id="1" dur="indefinite" restart="never" nodeType="tmRoot"/>
+      </p:par>
+    </p:tnLst>
+  </p:timing>
 </p:sld>
 </file>
 
@@ -4389,6 +4401,10 @@
             <a:pPr marL="0" indent="0">
               <a:buNone/>
             </a:pPr>
+            <a:r>
+              <a:rPr lang="en-US" dirty="0"/>
+              <a:t/>
+            </a:r>
             <a:br>
               <a:rPr lang="en-US" dirty="0"/>
             </a:br>
@@ -4748,6 +4764,13 @@
   <p:clrMapOvr>
     <a:masterClrMapping/>
   </p:clrMapOvr>
+  <p:timing>
+    <p:tnLst>
+      <p:par>
+        <p:cTn id="1" dur="indefinite" restart="never" nodeType="tmRoot"/>
+      </p:par>
+    </p:tnLst>
+  </p:timing>
 </p:sld>
 </file>
 
@@ -4877,6 +4900,13 @@
   <p:clrMapOvr>
     <a:masterClrMapping/>
   </p:clrMapOvr>
+  <p:timing>
+    <p:tnLst>
+      <p:par>
+        <p:cTn id="1" dur="indefinite" restart="never" nodeType="tmRoot"/>
+      </p:par>
+    </p:tnLst>
+  </p:timing>
 </p:sld>
 </file>
 
@@ -5352,6 +5382,105 @@
             </p:seq>
           </p:childTnLst>
         </p:cTn>
+      </p:par>
+    </p:tnLst>
+  </p:timing>
+</p:sld>
+</file>
+
+<file path=ppt/slides/slide8.xml><?xml version="1.0" encoding="utf-8"?>
+<p:sld xmlns:a="http://schemas.openxmlformats.org/drawingml/2006/main" xmlns:r="http://schemas.openxmlformats.org/officeDocument/2006/relationships" xmlns:p="http://schemas.openxmlformats.org/presentationml/2006/main">
+  <p:cSld>
+    <p:spTree>
+      <p:nvGrpSpPr>
+        <p:cNvPr id="1" name=""/>
+        <p:cNvGrpSpPr/>
+        <p:nvPr/>
+      </p:nvGrpSpPr>
+      <p:grpSpPr>
+        <a:xfrm>
+          <a:off x="0" y="0"/>
+          <a:ext cx="0" cy="0"/>
+          <a:chOff x="0" y="0"/>
+          <a:chExt cx="0" cy="0"/>
+        </a:xfrm>
+      </p:grpSpPr>
+      <p:sp>
+        <p:nvSpPr>
+          <p:cNvPr id="2" name="Title 1"/>
+          <p:cNvSpPr>
+            <a:spLocks noGrp="1"/>
+          </p:cNvSpPr>
+          <p:nvPr>
+            <p:ph type="ctrTitle"/>
+          </p:nvPr>
+        </p:nvSpPr>
+        <p:spPr/>
+        <p:txBody>
+          <a:bodyPr>
+            <a:normAutofit/>
+          </a:bodyPr>
+          <a:lstStyle/>
+          <a:p>
+            <a:r>
+              <a:rPr lang="en-US" sz="8000" dirty="0" smtClean="0">
+                <a:solidFill>
+                  <a:schemeClr val="accent4"/>
+                </a:solidFill>
+              </a:rPr>
+              <a:t>Thank you</a:t>
+            </a:r>
+            <a:endParaRPr lang="en-US" sz="8000" dirty="0">
+              <a:solidFill>
+                <a:schemeClr val="accent4"/>
+              </a:solidFill>
+            </a:endParaRPr>
+          </a:p>
+        </p:txBody>
+      </p:sp>
+      <p:sp>
+        <p:nvSpPr>
+          <p:cNvPr id="3" name="Subtitle 2"/>
+          <p:cNvSpPr>
+            <a:spLocks noGrp="1"/>
+          </p:cNvSpPr>
+          <p:nvPr>
+            <p:ph type="subTitle" idx="1"/>
+          </p:nvPr>
+        </p:nvSpPr>
+        <p:spPr/>
+        <p:txBody>
+          <a:bodyPr/>
+          <a:lstStyle/>
+          <a:p>
+            <a:r>
+              <a:rPr lang="en-US" dirty="0"/>
+              <a:t>Team Luc &amp; Gonzalo</a:t>
+            </a:r>
+          </a:p>
+          <a:p>
+            <a:r>
+              <a:rPr lang="en-US" dirty="0" smtClean="0"/>
+              <a:t>Arenathon</a:t>
+            </a:r>
+            <a:endParaRPr lang="en-US" sz="1800" dirty="0"/>
+          </a:p>
+        </p:txBody>
+      </p:sp>
+    </p:spTree>
+    <p:extLst>
+      <p:ext uri="{BB962C8B-B14F-4D97-AF65-F5344CB8AC3E}">
+        <p14:creationId xmlns:p14="http://schemas.microsoft.com/office/powerpoint/2010/main" val="3051127839"/>
+      </p:ext>
+    </p:extLst>
+  </p:cSld>
+  <p:clrMapOvr>
+    <a:masterClrMapping/>
+  </p:clrMapOvr>
+  <p:timing>
+    <p:tnLst>
+      <p:par>
+        <p:cTn id="1" dur="indefinite" restart="never" nodeType="tmRoot"/>
       </p:par>
     </p:tnLst>
   </p:timing>
